--- a/PittFood.pptx
+++ b/PittFood.pptx
@@ -306,7 +306,7 @@
           <a:p>
             <a:fld id="{395DED2C-EE36-4918-9320-AB1CB8631319}" type="datetimeFigureOut">
               <a:rPr lang="en-US" smtClean="0"/>
-              <a:t>3/6/13</a:t>
+              <a:t>3/27/13</a:t>
             </a:fld>
             <a:endParaRPr lang="en-US"/>
           </a:p>
@@ -476,7 +476,7 @@
           <a:p>
             <a:fld id="{395DED2C-EE36-4918-9320-AB1CB8631319}" type="datetimeFigureOut">
               <a:rPr lang="en-US" smtClean="0"/>
-              <a:t>3/6/13</a:t>
+              <a:t>3/27/13</a:t>
             </a:fld>
             <a:endParaRPr lang="en-US"/>
           </a:p>
@@ -656,7 +656,7 @@
           <a:p>
             <a:fld id="{395DED2C-EE36-4918-9320-AB1CB8631319}" type="datetimeFigureOut">
               <a:rPr lang="en-US" smtClean="0"/>
-              <a:t>3/6/13</a:t>
+              <a:t>3/27/13</a:t>
             </a:fld>
             <a:endParaRPr lang="en-US"/>
           </a:p>
@@ -826,7 +826,7 @@
           <a:p>
             <a:fld id="{395DED2C-EE36-4918-9320-AB1CB8631319}" type="datetimeFigureOut">
               <a:rPr lang="en-US" smtClean="0"/>
-              <a:t>3/6/13</a:t>
+              <a:t>3/27/13</a:t>
             </a:fld>
             <a:endParaRPr lang="en-US"/>
           </a:p>
@@ -1072,7 +1072,7 @@
           <a:p>
             <a:fld id="{395DED2C-EE36-4918-9320-AB1CB8631319}" type="datetimeFigureOut">
               <a:rPr lang="en-US" smtClean="0"/>
-              <a:t>3/6/13</a:t>
+              <a:t>3/27/13</a:t>
             </a:fld>
             <a:endParaRPr lang="en-US"/>
           </a:p>
@@ -1360,7 +1360,7 @@
           <a:p>
             <a:fld id="{395DED2C-EE36-4918-9320-AB1CB8631319}" type="datetimeFigureOut">
               <a:rPr lang="en-US" smtClean="0"/>
-              <a:t>3/6/13</a:t>
+              <a:t>3/27/13</a:t>
             </a:fld>
             <a:endParaRPr lang="en-US"/>
           </a:p>
@@ -1782,7 +1782,7 @@
           <a:p>
             <a:fld id="{395DED2C-EE36-4918-9320-AB1CB8631319}" type="datetimeFigureOut">
               <a:rPr lang="en-US" smtClean="0"/>
-              <a:t>3/6/13</a:t>
+              <a:t>3/27/13</a:t>
             </a:fld>
             <a:endParaRPr lang="en-US"/>
           </a:p>
@@ -1900,7 +1900,7 @@
           <a:p>
             <a:fld id="{395DED2C-EE36-4918-9320-AB1CB8631319}" type="datetimeFigureOut">
               <a:rPr lang="en-US" smtClean="0"/>
-              <a:t>3/6/13</a:t>
+              <a:t>3/27/13</a:t>
             </a:fld>
             <a:endParaRPr lang="en-US"/>
           </a:p>
@@ -1995,7 +1995,7 @@
           <a:p>
             <a:fld id="{395DED2C-EE36-4918-9320-AB1CB8631319}" type="datetimeFigureOut">
               <a:rPr lang="en-US" smtClean="0"/>
-              <a:t>3/6/13</a:t>
+              <a:t>3/27/13</a:t>
             </a:fld>
             <a:endParaRPr lang="en-US"/>
           </a:p>
@@ -2272,7 +2272,7 @@
           <a:p>
             <a:fld id="{395DED2C-EE36-4918-9320-AB1CB8631319}" type="datetimeFigureOut">
               <a:rPr lang="en-US" smtClean="0"/>
-              <a:t>3/6/13</a:t>
+              <a:t>3/27/13</a:t>
             </a:fld>
             <a:endParaRPr lang="en-US"/>
           </a:p>
@@ -2525,7 +2525,7 @@
           <a:p>
             <a:fld id="{395DED2C-EE36-4918-9320-AB1CB8631319}" type="datetimeFigureOut">
               <a:rPr lang="en-US" smtClean="0"/>
-              <a:t>3/6/13</a:t>
+              <a:t>3/27/13</a:t>
             </a:fld>
             <a:endParaRPr lang="en-US"/>
           </a:p>
@@ -2738,7 +2738,7 @@
           <a:p>
             <a:fld id="{395DED2C-EE36-4918-9320-AB1CB8631319}" type="datetimeFigureOut">
               <a:rPr lang="en-US" smtClean="0"/>
-              <a:t>3/6/13</a:t>
+              <a:t>3/27/13</a:t>
             </a:fld>
             <a:endParaRPr lang="en-US"/>
           </a:p>
@@ -3152,8 +3152,12 @@
           <a:lstStyle/>
           <a:p>
             <a:r>
+              <a:rPr lang="en-US" smtClean="0"/>
+              <a:t>SONG </a:t>
+            </a:r>
+            <a:r>
               <a:rPr lang="en-US" dirty="0" smtClean="0"/>
-              <a:t>Song Jin, </a:t>
+              <a:t>Jin, </a:t>
             </a:r>
             <a:r>
               <a:rPr lang="en-US" dirty="0" err="1" smtClean="0"/>
